--- a/content/post/teaching/Week6-summary.pptx
+++ b/content/post/teaching/Week6-summary.pptx
@@ -13,7 +13,7 @@
     <p:sldId id="273" r:id="rId7"/>
     <p:sldId id="277" r:id="rId8"/>
     <p:sldId id="274" r:id="rId9"/>
-    <p:sldId id="275" r:id="rId10"/>
+    <p:sldId id="294" r:id="rId10"/>
     <p:sldId id="276" r:id="rId11"/>
   </p:sldIdLst>
   <p:sldSz cx="12192000" cy="6858000"/>
@@ -124,9 +124,209 @@
 <file path=ppt/revisionInfo.xml><?xml version="1.0" encoding="utf-8"?>
 <p1510:revInfo xmlns:a="http://schemas.openxmlformats.org/drawingml/2006/main" xmlns:r="http://schemas.openxmlformats.org/officeDocument/2006/relationships" xmlns:p1510="http://schemas.microsoft.com/office/powerpoint/2015/10/main">
   <p1510:revLst>
-    <p1510:client id="{79699E30-FF3B-DC4F-B183-F3D1ABB14D6B}" v="27" dt="2024-04-15T08:39:20.682"/>
+    <p1510:client id="{17EFB8D9-2A75-4C4C-A80F-20938FF527A2}" v="20" dt="2025-04-16T08:48:32.765"/>
   </p1510:revLst>
 </p1510:revInfo>
+</file>
+
+<file path=ppt/changesInfos/changesInfo1.xml><?xml version="1.0" encoding="utf-8"?>
+<pc:chgInfo xmlns:a="http://schemas.openxmlformats.org/drawingml/2006/main" xmlns:r="http://schemas.openxmlformats.org/officeDocument/2006/relationships" xmlns:ac="http://schemas.microsoft.com/office/drawing/2013/main/command" xmlns:pc="http://schemas.microsoft.com/office/powerpoint/2013/main/command">
+  <pc:docChgLst>
+    <pc:chgData name="Simon Mitchell" userId="ccf6019c-927f-4068-bc63-8cf034289409" providerId="ADAL" clId="{17EFB8D9-2A75-4C4C-A80F-20938FF527A2}"/>
+    <pc:docChg chg="undo custSel addSld delSld modSld">
+      <pc:chgData name="Simon Mitchell" userId="ccf6019c-927f-4068-bc63-8cf034289409" providerId="ADAL" clId="{17EFB8D9-2A75-4C4C-A80F-20938FF527A2}" dt="2025-04-16T08:48:41.800" v="93" actId="20577"/>
+      <pc:docMkLst>
+        <pc:docMk/>
+      </pc:docMkLst>
+      <pc:sldChg chg="delSp modSp mod">
+        <pc:chgData name="Simon Mitchell" userId="ccf6019c-927f-4068-bc63-8cf034289409" providerId="ADAL" clId="{17EFB8D9-2A75-4C4C-A80F-20938FF527A2}" dt="2025-04-16T08:47:12.161" v="52" actId="20577"/>
+        <pc:sldMkLst>
+          <pc:docMk/>
+          <pc:sldMk cId="3011729308" sldId="265"/>
+        </pc:sldMkLst>
+        <pc:spChg chg="mod">
+          <ac:chgData name="Simon Mitchell" userId="ccf6019c-927f-4068-bc63-8cf034289409" providerId="ADAL" clId="{17EFB8D9-2A75-4C4C-A80F-20938FF527A2}" dt="2025-04-16T08:47:12.161" v="52" actId="20577"/>
+          <ac:spMkLst>
+            <pc:docMk/>
+            <pc:sldMk cId="3011729308" sldId="265"/>
+            <ac:spMk id="3" creationId="{7617BFA5-6924-0B48-AA21-1609E513A810}"/>
+          </ac:spMkLst>
+        </pc:spChg>
+        <pc:picChg chg="del">
+          <ac:chgData name="Simon Mitchell" userId="ccf6019c-927f-4068-bc63-8cf034289409" providerId="ADAL" clId="{17EFB8D9-2A75-4C4C-A80F-20938FF527A2}" dt="2025-04-16T08:47:05.736" v="48" actId="478"/>
+          <ac:picMkLst>
+            <pc:docMk/>
+            <pc:sldMk cId="3011729308" sldId="265"/>
+            <ac:picMk id="1026" creationId="{1CB4B317-4B35-55B7-686B-CB7F7FADC340}"/>
+          </ac:picMkLst>
+        </pc:picChg>
+        <pc:picChg chg="del">
+          <ac:chgData name="Simon Mitchell" userId="ccf6019c-927f-4068-bc63-8cf034289409" providerId="ADAL" clId="{17EFB8D9-2A75-4C4C-A80F-20938FF527A2}" dt="2025-04-16T08:47:05.736" v="48" actId="478"/>
+          <ac:picMkLst>
+            <pc:docMk/>
+            <pc:sldMk cId="3011729308" sldId="265"/>
+            <ac:picMk id="2052" creationId="{A70246B1-567B-7844-AB92-1C87A85CCEFF}"/>
+          </ac:picMkLst>
+        </pc:picChg>
+        <pc:picChg chg="del">
+          <ac:chgData name="Simon Mitchell" userId="ccf6019c-927f-4068-bc63-8cf034289409" providerId="ADAL" clId="{17EFB8D9-2A75-4C4C-A80F-20938FF527A2}" dt="2025-04-16T08:47:05.736" v="48" actId="478"/>
+          <ac:picMkLst>
+            <pc:docMk/>
+            <pc:sldMk cId="3011729308" sldId="265"/>
+            <ac:picMk id="2056" creationId="{D713399C-2F65-D249-B704-4B2EBD72FD6C}"/>
+          </ac:picMkLst>
+        </pc:picChg>
+      </pc:sldChg>
+      <pc:sldChg chg="add del">
+        <pc:chgData name="Simon Mitchell" userId="ccf6019c-927f-4068-bc63-8cf034289409" providerId="ADAL" clId="{17EFB8D9-2A75-4C4C-A80F-20938FF527A2}" dt="2025-04-16T08:48:16.539" v="56" actId="2696"/>
+        <pc:sldMkLst>
+          <pc:docMk/>
+          <pc:sldMk cId="1459608340" sldId="275"/>
+        </pc:sldMkLst>
+      </pc:sldChg>
+      <pc:sldChg chg="addSp delSp modSp mod">
+        <pc:chgData name="Simon Mitchell" userId="ccf6019c-927f-4068-bc63-8cf034289409" providerId="ADAL" clId="{17EFB8D9-2A75-4C4C-A80F-20938FF527A2}" dt="2025-04-16T08:46:07.289" v="45" actId="14100"/>
+        <pc:sldMkLst>
+          <pc:docMk/>
+          <pc:sldMk cId="213687451" sldId="277"/>
+        </pc:sldMkLst>
+        <pc:spChg chg="mod">
+          <ac:chgData name="Simon Mitchell" userId="ccf6019c-927f-4068-bc63-8cf034289409" providerId="ADAL" clId="{17EFB8D9-2A75-4C4C-A80F-20938FF527A2}" dt="2025-04-16T08:44:29.908" v="33" actId="20577"/>
+          <ac:spMkLst>
+            <pc:docMk/>
+            <pc:sldMk cId="213687451" sldId="277"/>
+            <ac:spMk id="3" creationId="{6B966F03-8D56-47C6-9347-6D7E73002C5B}"/>
+          </ac:spMkLst>
+        </pc:spChg>
+        <pc:spChg chg="mod">
+          <ac:chgData name="Simon Mitchell" userId="ccf6019c-927f-4068-bc63-8cf034289409" providerId="ADAL" clId="{17EFB8D9-2A75-4C4C-A80F-20938FF527A2}" dt="2025-04-16T08:44:36.076" v="37" actId="14100"/>
+          <ac:spMkLst>
+            <pc:docMk/>
+            <pc:sldMk cId="213687451" sldId="277"/>
+            <ac:spMk id="4" creationId="{33CECC81-46D3-E2C6-1EB9-C8D417173BB7}"/>
+          </ac:spMkLst>
+        </pc:spChg>
+        <pc:spChg chg="add del mod">
+          <ac:chgData name="Simon Mitchell" userId="ccf6019c-927f-4068-bc63-8cf034289409" providerId="ADAL" clId="{17EFB8D9-2A75-4C4C-A80F-20938FF527A2}" dt="2025-04-16T08:45:50.145" v="42" actId="478"/>
+          <ac:spMkLst>
+            <pc:docMk/>
+            <pc:sldMk cId="213687451" sldId="277"/>
+            <ac:spMk id="8" creationId="{3E10EBF6-B43E-A098-BEA4-1F32E373966C}"/>
+          </ac:spMkLst>
+        </pc:spChg>
+        <pc:graphicFrameChg chg="mod modGraphic">
+          <ac:chgData name="Simon Mitchell" userId="ccf6019c-927f-4068-bc63-8cf034289409" providerId="ADAL" clId="{17EFB8D9-2A75-4C4C-A80F-20938FF527A2}" dt="2025-04-16T08:44:27.810" v="32" actId="1035"/>
+          <ac:graphicFrameMkLst>
+            <pc:docMk/>
+            <pc:sldMk cId="213687451" sldId="277"/>
+            <ac:graphicFrameMk id="6" creationId="{E78CE0FD-C5DF-3F5D-EC9A-74587B2EAE56}"/>
+          </ac:graphicFrameMkLst>
+        </pc:graphicFrameChg>
+        <pc:graphicFrameChg chg="mod modGraphic">
+          <ac:chgData name="Simon Mitchell" userId="ccf6019c-927f-4068-bc63-8cf034289409" providerId="ADAL" clId="{17EFB8D9-2A75-4C4C-A80F-20938FF527A2}" dt="2025-04-16T08:44:33.331" v="36" actId="1035"/>
+          <ac:graphicFrameMkLst>
+            <pc:docMk/>
+            <pc:sldMk cId="213687451" sldId="277"/>
+            <ac:graphicFrameMk id="7" creationId="{CFBEC3B9-1D4A-0D20-64E1-8FE9C0655F62}"/>
+          </ac:graphicFrameMkLst>
+        </pc:graphicFrameChg>
+        <pc:picChg chg="add mod">
+          <ac:chgData name="Simon Mitchell" userId="ccf6019c-927f-4068-bc63-8cf034289409" providerId="ADAL" clId="{17EFB8D9-2A75-4C4C-A80F-20938FF527A2}" dt="2025-04-16T08:46:07.289" v="45" actId="14100"/>
+          <ac:picMkLst>
+            <pc:docMk/>
+            <pc:sldMk cId="213687451" sldId="277"/>
+            <ac:picMk id="9" creationId="{527D912F-8534-DE38-EE37-5A1DB8920F8E}"/>
+          </ac:picMkLst>
+        </pc:picChg>
+      </pc:sldChg>
+      <pc:sldChg chg="add del">
+        <pc:chgData name="Simon Mitchell" userId="ccf6019c-927f-4068-bc63-8cf034289409" providerId="ADAL" clId="{17EFB8D9-2A75-4C4C-A80F-20938FF527A2}" dt="2025-04-16T08:46:49.575" v="47" actId="2696"/>
+        <pc:sldMkLst>
+          <pc:docMk/>
+          <pc:sldMk cId="2838619483" sldId="278"/>
+        </pc:sldMkLst>
+      </pc:sldChg>
+      <pc:sldChg chg="add del">
+        <pc:chgData name="Simon Mitchell" userId="ccf6019c-927f-4068-bc63-8cf034289409" providerId="ADAL" clId="{17EFB8D9-2A75-4C4C-A80F-20938FF527A2}" dt="2025-04-16T08:45:46.453" v="39" actId="2696"/>
+        <pc:sldMkLst>
+          <pc:docMk/>
+          <pc:sldMk cId="4045589488" sldId="278"/>
+        </pc:sldMkLst>
+      </pc:sldChg>
+      <pc:sldChg chg="addSp delSp modSp add mod delAnim modAnim">
+        <pc:chgData name="Simon Mitchell" userId="ccf6019c-927f-4068-bc63-8cf034289409" providerId="ADAL" clId="{17EFB8D9-2A75-4C4C-A80F-20938FF527A2}" dt="2025-04-16T08:48:41.800" v="93" actId="20577"/>
+        <pc:sldMkLst>
+          <pc:docMk/>
+          <pc:sldMk cId="1447855025" sldId="294"/>
+        </pc:sldMkLst>
+        <pc:spChg chg="del">
+          <ac:chgData name="Simon Mitchell" userId="ccf6019c-927f-4068-bc63-8cf034289409" providerId="ADAL" clId="{17EFB8D9-2A75-4C4C-A80F-20938FF527A2}" dt="2025-04-16T08:48:23.214" v="57" actId="478"/>
+          <ac:spMkLst>
+            <pc:docMk/>
+            <pc:sldMk cId="1447855025" sldId="294"/>
+            <ac:spMk id="3" creationId="{E7D6EFBE-4DBC-D683-DB25-8A2F3F20764D}"/>
+          </ac:spMkLst>
+        </pc:spChg>
+        <pc:spChg chg="del">
+          <ac:chgData name="Simon Mitchell" userId="ccf6019c-927f-4068-bc63-8cf034289409" providerId="ADAL" clId="{17EFB8D9-2A75-4C4C-A80F-20938FF527A2}" dt="2025-04-16T08:48:27.500" v="58" actId="478"/>
+          <ac:spMkLst>
+            <pc:docMk/>
+            <pc:sldMk cId="1447855025" sldId="294"/>
+            <ac:spMk id="4" creationId="{8E015252-9598-3ECC-A828-6D382B6E8608}"/>
+          </ac:spMkLst>
+        </pc:spChg>
+        <pc:spChg chg="del">
+          <ac:chgData name="Simon Mitchell" userId="ccf6019c-927f-4068-bc63-8cf034289409" providerId="ADAL" clId="{17EFB8D9-2A75-4C4C-A80F-20938FF527A2}" dt="2025-04-16T08:48:27.500" v="58" actId="478"/>
+          <ac:spMkLst>
+            <pc:docMk/>
+            <pc:sldMk cId="1447855025" sldId="294"/>
+            <ac:spMk id="5" creationId="{73BBF1CA-D2FC-5C7E-D85A-977480AF04B7}"/>
+          </ac:spMkLst>
+        </pc:spChg>
+        <pc:spChg chg="add mod">
+          <ac:chgData name="Simon Mitchell" userId="ccf6019c-927f-4068-bc63-8cf034289409" providerId="ADAL" clId="{17EFB8D9-2A75-4C4C-A80F-20938FF527A2}" dt="2025-04-16T08:48:41.800" v="93" actId="20577"/>
+          <ac:spMkLst>
+            <pc:docMk/>
+            <pc:sldMk cId="1447855025" sldId="294"/>
+            <ac:spMk id="7" creationId="{13EE22AA-21B4-D335-30E1-0540F2CE3AF4}"/>
+          </ac:spMkLst>
+        </pc:spChg>
+        <pc:spChg chg="del">
+          <ac:chgData name="Simon Mitchell" userId="ccf6019c-927f-4068-bc63-8cf034289409" providerId="ADAL" clId="{17EFB8D9-2A75-4C4C-A80F-20938FF527A2}" dt="2025-04-16T08:48:27.500" v="58" actId="478"/>
+          <ac:spMkLst>
+            <pc:docMk/>
+            <pc:sldMk cId="1447855025" sldId="294"/>
+            <ac:spMk id="8" creationId="{04460D0D-FB71-E380-B810-4D75B46BEEC5}"/>
+          </ac:spMkLst>
+        </pc:spChg>
+        <pc:spChg chg="del">
+          <ac:chgData name="Simon Mitchell" userId="ccf6019c-927f-4068-bc63-8cf034289409" providerId="ADAL" clId="{17EFB8D9-2A75-4C4C-A80F-20938FF527A2}" dt="2025-04-16T08:48:27.500" v="58" actId="478"/>
+          <ac:spMkLst>
+            <pc:docMk/>
+            <pc:sldMk cId="1447855025" sldId="294"/>
+            <ac:spMk id="10" creationId="{3F739BEF-F485-BA94-B6FF-410EF03EC888}"/>
+          </ac:spMkLst>
+        </pc:spChg>
+        <pc:spChg chg="del">
+          <ac:chgData name="Simon Mitchell" userId="ccf6019c-927f-4068-bc63-8cf034289409" providerId="ADAL" clId="{17EFB8D9-2A75-4C4C-A80F-20938FF527A2}" dt="2025-04-16T08:48:27.500" v="58" actId="478"/>
+          <ac:spMkLst>
+            <pc:docMk/>
+            <pc:sldMk cId="1447855025" sldId="294"/>
+            <ac:spMk id="13" creationId="{998A8DE0-4733-9916-714A-9BA47152AC52}"/>
+          </ac:spMkLst>
+        </pc:spChg>
+        <pc:picChg chg="del">
+          <ac:chgData name="Simon Mitchell" userId="ccf6019c-927f-4068-bc63-8cf034289409" providerId="ADAL" clId="{17EFB8D9-2A75-4C4C-A80F-20938FF527A2}" dt="2025-04-16T08:48:27.500" v="58" actId="478"/>
+          <ac:picMkLst>
+            <pc:docMk/>
+            <pc:sldMk cId="1447855025" sldId="294"/>
+            <ac:picMk id="9" creationId="{5F157B80-13D7-3F12-BFC8-A04564869C1E}"/>
+          </ac:picMkLst>
+        </pc:picChg>
+      </pc:sldChg>
+    </pc:docChg>
+  </pc:docChgLst>
+</pc:chgInfo>
 </file>
 
 <file path=ppt/notesMasters/notesMaster1.xml><?xml version="1.0" encoding="utf-8"?>
@@ -211,7 +411,7 @@
           <a:p>
             <a:fld id="{A1DE5427-BB1E-AB42-B83E-50C99CC17C1A}" type="datetimeFigureOut">
               <a:rPr lang="en-GB" smtClean="0"/>
-              <a:t>15/04/2024</a:t>
+              <a:t>16/04/2025</a:t>
             </a:fld>
             <a:endParaRPr lang="en-GB"/>
           </a:p>
@@ -2884,15 +3084,7 @@
           <a:p>
             <a:r>
               <a:rPr lang="en-GB" sz="2000" dirty="0"/>
-              <a:t>		      Dr Eleanor </a:t>
-            </a:r>
-            <a:r>
-              <a:rPr lang="en-GB" sz="2000" dirty="0" err="1"/>
-              <a:t>Jayawant</a:t>
-            </a:r>
-            <a:r>
-              <a:rPr lang="en-GB" sz="2000" dirty="0"/>
-              <a:t>.     Dr Richard Norris.       Dr Simon Mitchell</a:t>
+              <a:t>		</a:t>
             </a:r>
           </a:p>
           <a:p>
@@ -2936,100 +3128,6 @@
       </p:sp>
       <p:pic>
         <p:nvPicPr>
-          <p:cNvPr id="2052" name="Picture 4" descr="Avatar - Eleanor Jayawant">
-            <a:extLst>
-              <a:ext uri="{FF2B5EF4-FFF2-40B4-BE49-F238E27FC236}">
-                <a16:creationId xmlns:a16="http://schemas.microsoft.com/office/drawing/2014/main" id="{A70246B1-567B-7844-AB92-1C87A85CCEFF}"/>
-              </a:ext>
-            </a:extLst>
-          </p:cNvPr>
-          <p:cNvPicPr>
-            <a:picLocks noChangeAspect="1" noChangeArrowheads="1"/>
-          </p:cNvPicPr>
-          <p:nvPr/>
-        </p:nvPicPr>
-        <p:blipFill>
-          <a:blip r:embed="rId3">
-            <a:extLst>
-              <a:ext uri="{28A0092B-C50C-407E-A947-70E740481C1C}">
-                <a14:useLocalDpi xmlns:a14="http://schemas.microsoft.com/office/drawing/2010/main" val="0"/>
-              </a:ext>
-            </a:extLst>
-          </a:blip>
-          <a:srcRect/>
-          <a:stretch>
-            <a:fillRect/>
-          </a:stretch>
-        </p:blipFill>
-        <p:spPr bwMode="auto">
-          <a:xfrm>
-            <a:off x="2662521" y="1738041"/>
-            <a:ext cx="2045683" cy="2045683"/>
-          </a:xfrm>
-          <a:prstGeom prst="rect">
-            <a:avLst/>
-          </a:prstGeom>
-          <a:noFill/>
-          <a:extLst>
-            <a:ext uri="{909E8E84-426E-40DD-AFC4-6F175D3DCCD1}">
-              <a14:hiddenFill xmlns:a14="http://schemas.microsoft.com/office/drawing/2010/main">
-                <a:solidFill>
-                  <a:srgbClr val="FFFFFF"/>
-                </a:solidFill>
-              </a14:hiddenFill>
-            </a:ext>
-          </a:extLst>
-        </p:spPr>
-      </p:pic>
-      <p:pic>
-        <p:nvPicPr>
-          <p:cNvPr id="2056" name="Picture 8" descr="Avatar - Richard Norris">
-            <a:extLst>
-              <a:ext uri="{FF2B5EF4-FFF2-40B4-BE49-F238E27FC236}">
-                <a16:creationId xmlns:a16="http://schemas.microsoft.com/office/drawing/2014/main" id="{D713399C-2F65-D249-B704-4B2EBD72FD6C}"/>
-              </a:ext>
-            </a:extLst>
-          </p:cNvPr>
-          <p:cNvPicPr>
-            <a:picLocks noChangeAspect="1" noChangeArrowheads="1"/>
-          </p:cNvPicPr>
-          <p:nvPr/>
-        </p:nvPicPr>
-        <p:blipFill>
-          <a:blip r:embed="rId4">
-            <a:extLst>
-              <a:ext uri="{28A0092B-C50C-407E-A947-70E740481C1C}">
-                <a14:useLocalDpi xmlns:a14="http://schemas.microsoft.com/office/drawing/2010/main" val="0"/>
-              </a:ext>
-            </a:extLst>
-          </a:blip>
-          <a:srcRect/>
-          <a:stretch>
-            <a:fillRect/>
-          </a:stretch>
-        </p:blipFill>
-        <p:spPr bwMode="auto">
-          <a:xfrm>
-            <a:off x="4928802" y="1738040"/>
-            <a:ext cx="2045683" cy="2045683"/>
-          </a:xfrm>
-          <a:prstGeom prst="rect">
-            <a:avLst/>
-          </a:prstGeom>
-          <a:noFill/>
-          <a:extLst>
-            <a:ext uri="{909E8E84-426E-40DD-AFC4-6F175D3DCCD1}">
-              <a14:hiddenFill xmlns:a14="http://schemas.microsoft.com/office/drawing/2010/main">
-                <a:solidFill>
-                  <a:srgbClr val="FFFFFF"/>
-                </a:solidFill>
-              </a14:hiddenFill>
-            </a:ext>
-          </a:extLst>
-        </p:spPr>
-      </p:pic>
-      <p:pic>
-        <p:nvPicPr>
           <p:cNvPr id="8194" name="Picture 2" descr="An image of a protein structure.">
             <a:extLst>
               <a:ext uri="{FF2B5EF4-FFF2-40B4-BE49-F238E27FC236}">
@@ -3043,7 +3141,7 @@
           <p:nvPr/>
         </p:nvPicPr>
         <p:blipFill>
-          <a:blip r:embed="rId5">
+          <a:blip r:embed="rId3">
             <a:extLst>
               <a:ext uri="{28A0092B-C50C-407E-A947-70E740481C1C}">
                 <a14:useLocalDpi xmlns:a14="http://schemas.microsoft.com/office/drawing/2010/main" val="0"/>
@@ -3090,7 +3188,7 @@
           <p:nvPr/>
         </p:nvPicPr>
         <p:blipFill>
-          <a:blip r:embed="rId6"/>
+          <a:blip r:embed="rId4"/>
           <a:stretch>
             <a:fillRect/>
           </a:stretch>
@@ -3120,7 +3218,7 @@
           <p:nvPr/>
         </p:nvPicPr>
         <p:blipFill>
-          <a:blip r:embed="rId7"/>
+          <a:blip r:embed="rId5"/>
           <a:stretch>
             <a:fillRect/>
           </a:stretch>
@@ -3133,53 +3231,6 @@
           <a:prstGeom prst="rect">
             <a:avLst/>
           </a:prstGeom>
-        </p:spPr>
-      </p:pic>
-      <p:pic>
-        <p:nvPicPr>
-          <p:cNvPr id="1026" name="Picture 2" descr="Simon Mitchell">
-            <a:extLst>
-              <a:ext uri="{FF2B5EF4-FFF2-40B4-BE49-F238E27FC236}">
-                <a16:creationId xmlns:a16="http://schemas.microsoft.com/office/drawing/2014/main" id="{1CB4B317-4B35-55B7-686B-CB7F7FADC340}"/>
-              </a:ext>
-            </a:extLst>
-          </p:cNvPr>
-          <p:cNvPicPr>
-            <a:picLocks noChangeAspect="1" noChangeArrowheads="1"/>
-          </p:cNvPicPr>
-          <p:nvPr/>
-        </p:nvPicPr>
-        <p:blipFill>
-          <a:blip r:embed="rId8">
-            <a:extLst>
-              <a:ext uri="{28A0092B-C50C-407E-A947-70E740481C1C}">
-                <a14:useLocalDpi xmlns:a14="http://schemas.microsoft.com/office/drawing/2010/main" val="0"/>
-              </a:ext>
-            </a:extLst>
-          </a:blip>
-          <a:srcRect/>
-          <a:stretch>
-            <a:fillRect/>
-          </a:stretch>
-        </p:blipFill>
-        <p:spPr bwMode="auto">
-          <a:xfrm>
-            <a:off x="7229140" y="1738039"/>
-            <a:ext cx="2045683" cy="2045683"/>
-          </a:xfrm>
-          <a:prstGeom prst="rect">
-            <a:avLst/>
-          </a:prstGeom>
-          <a:noFill/>
-          <a:extLst>
-            <a:ext uri="{909E8E84-426E-40DD-AFC4-6F175D3DCCD1}">
-              <a14:hiddenFill xmlns:a14="http://schemas.microsoft.com/office/drawing/2010/main">
-                <a:solidFill>
-                  <a:srgbClr val="FFFFFF"/>
-                </a:solidFill>
-              </a14:hiddenFill>
-            </a:ext>
-          </a:extLst>
         </p:spPr>
       </p:pic>
     </p:spTree>
@@ -3654,12 +3705,8 @@
               <a:rPr lang="en-GB" dirty="0"/>
             </a:br>
             <a:r>
-              <a:rPr lang="en-GB" dirty="0" err="1"/>
-              <a:t>Hin</a:t>
-            </a:r>
-            <a:r>
               <a:rPr lang="en-GB" dirty="0"/>
-              <a:t> Yip, </a:t>
+              <a:t>Hin Yip, </a:t>
             </a:r>
             <a:r>
               <a:rPr lang="en-GB" dirty="0" err="1"/>
@@ -3667,15 +3714,7 @@
             </a:r>
             <a:r>
               <a:rPr lang="en-GB" dirty="0"/>
-              <a:t> </a:t>
-            </a:r>
-            <a:r>
-              <a:rPr lang="en-GB" dirty="0" err="1"/>
-              <a:t>Woulfe</a:t>
-            </a:r>
-            <a:r>
-              <a:rPr lang="en-GB" dirty="0"/>
-              <a:t>, Molly Oakley, </a:t>
+              <a:t> Woulfe, Molly Oakley, </a:t>
             </a:r>
             <a:r>
               <a:rPr lang="en-GB" dirty="0" err="1"/>
@@ -3715,32 +3754,19 @@
               <a:buFontTx/>
               <a:buChar char="-"/>
             </a:pPr>
-            <a:r>
-              <a:rPr lang="en-GB" dirty="0"/>
-              <a:t>Week 8 presentations: </a:t>
-            </a:r>
             <a:br>
               <a:rPr lang="en-GB" dirty="0"/>
             </a:br>
             <a:r>
               <a:rPr lang="en-GB" dirty="0"/>
-              <a:t>Hannah Wright, Susannah Snowdon, Fahad </a:t>
-            </a:r>
-            <a:r>
-              <a:rPr lang="en-GB" dirty="0" err="1"/>
-              <a:t>Saif</a:t>
-            </a:r>
-            <a:r>
+              <a:t>Week 8 presentations: </a:t>
+            </a:r>
+            <a:br>
               <a:rPr lang="en-GB" dirty="0"/>
-              <a:t>, </a:t>
-            </a:r>
-            <a:r>
-              <a:rPr lang="en-GB" dirty="0" err="1"/>
-              <a:t>Alicja</a:t>
-            </a:r>
+            </a:br>
             <a:r>
               <a:rPr lang="en-GB" dirty="0"/>
-              <a:t> </a:t>
+              <a:t>Hannah Wright, Susannah Snowdon, Fahad Saif, Alicja </a:t>
             </a:r>
             <a:r>
               <a:rPr lang="en-GB" dirty="0" err="1"/>
@@ -3781,7 +3807,7 @@
         <p:spPr>
           <a:xfrm>
             <a:off x="500743" y="4593771"/>
-            <a:ext cx="11295017" cy="1684791"/>
+            <a:ext cx="11295017" cy="2191038"/>
           </a:xfrm>
           <a:prstGeom prst="rect">
             <a:avLst/>
@@ -3833,14 +3859,14 @@
           <p:nvPr>
             <p:extLst>
               <p:ext uri="{D42A27DB-BD31-4B8C-83A1-F6EECF244321}">
-                <p14:modId xmlns:p14="http://schemas.microsoft.com/office/powerpoint/2010/main" val="2132221766"/>
+                <p14:modId xmlns:p14="http://schemas.microsoft.com/office/powerpoint/2010/main" val="3084664063"/>
               </p:ext>
             </p:extLst>
           </p:nvPr>
         </p:nvGraphicFramePr>
         <p:xfrm>
-          <a:off x="1206182" y="4936779"/>
-          <a:ext cx="10050765" cy="334468"/>
+          <a:off x="1206179" y="4970102"/>
+          <a:ext cx="10050768" cy="510286"/>
         </p:xfrm>
         <a:graphic>
           <a:graphicData uri="http://schemas.openxmlformats.org/drawingml/2006/table">
@@ -3849,38 +3875,45 @@
                 <a:tableStyleId>{5C22544A-7EE6-4342-B048-85BDC9FD1C3A}</a:tableStyleId>
               </a:tblPr>
               <a:tblGrid>
-                <a:gridCol w="2010153">
+                <a:gridCol w="1675128">
                   <a:extLst>
                     <a:ext uri="{9D8B030D-6E8A-4147-A177-3AD203B41FA5}">
                       <a16:colId xmlns:a16="http://schemas.microsoft.com/office/drawing/2014/main" val="795500516"/>
                     </a:ext>
                   </a:extLst>
                 </a:gridCol>
-                <a:gridCol w="2010153">
+                <a:gridCol w="1675128">
                   <a:extLst>
                     <a:ext uri="{9D8B030D-6E8A-4147-A177-3AD203B41FA5}">
                       <a16:colId xmlns:a16="http://schemas.microsoft.com/office/drawing/2014/main" val="208347572"/>
                     </a:ext>
                   </a:extLst>
                 </a:gridCol>
-                <a:gridCol w="2010153">
+                <a:gridCol w="1675128">
                   <a:extLst>
                     <a:ext uri="{9D8B030D-6E8A-4147-A177-3AD203B41FA5}">
                       <a16:colId xmlns:a16="http://schemas.microsoft.com/office/drawing/2014/main" val="2263672165"/>
                     </a:ext>
                   </a:extLst>
                 </a:gridCol>
-                <a:gridCol w="2010153">
+                <a:gridCol w="1675128">
                   <a:extLst>
                     <a:ext uri="{9D8B030D-6E8A-4147-A177-3AD203B41FA5}">
                       <a16:colId xmlns:a16="http://schemas.microsoft.com/office/drawing/2014/main" val="3104483043"/>
                     </a:ext>
                   </a:extLst>
                 </a:gridCol>
-                <a:gridCol w="2010153">
+                <a:gridCol w="1675128">
                   <a:extLst>
                     <a:ext uri="{9D8B030D-6E8A-4147-A177-3AD203B41FA5}">
                       <a16:colId xmlns:a16="http://schemas.microsoft.com/office/drawing/2014/main" val="2704512929"/>
+                    </a:ext>
+                  </a:extLst>
+                </a:gridCol>
+                <a:gridCol w="1675128">
+                  <a:extLst>
+                    <a:ext uri="{9D8B030D-6E8A-4147-A177-3AD203B41FA5}">
+                      <a16:colId xmlns:a16="http://schemas.microsoft.com/office/drawing/2014/main" val="3814803209"/>
                     </a:ext>
                   </a:extLst>
                 </a:gridCol>
@@ -3900,18 +3933,24 @@
                         </a:spcAft>
                       </a:pPr>
                       <a:r>
-                        <a:rPr lang="en-GB" sz="1900" kern="0" dirty="0">
+                        <a:rPr lang="en-GB" sz="1400" b="1" kern="1200" dirty="0">
+                          <a:solidFill>
+                            <a:schemeClr val="lt1"/>
+                          </a:solidFill>
+                          <a:effectLst/>
+                          <a:latin typeface="+mn-lt"/>
+                          <a:ea typeface="+mn-ea"/>
+                          <a:cs typeface="+mn-cs"/>
+                        </a:rPr>
+                        <a:t>AL-JANABY, Aysha</a:t>
+                      </a:r>
+                      <a:r>
+                        <a:rPr lang="en-001" sz="1600" dirty="0">
                           <a:effectLst/>
                         </a:rPr>
-                        <a:t>Harsha </a:t>
+                        <a:t> </a:t>
                       </a:r>
-                      <a:r>
-                        <a:rPr lang="en-GB" sz="1900" kern="0" dirty="0" err="1">
-                          <a:effectLst/>
-                        </a:rPr>
-                        <a:t>Pendyala</a:t>
-                      </a:r>
-                      <a:endParaRPr lang="en-001" sz="1900" kern="100" dirty="0">
+                      <a:endParaRPr lang="en-001" sz="1600" kern="100" dirty="0">
                         <a:effectLst/>
                         <a:latin typeface="Calibri" panose="020F0502020204030204" pitchFamily="34" charset="0"/>
                         <a:ea typeface="Calibri" panose="020F0502020204030204" pitchFamily="34" charset="0"/>
@@ -3935,12 +3974,18 @@
                         </a:spcAft>
                       </a:pPr>
                       <a:r>
-                        <a:rPr lang="en-GB" sz="1900" kern="0">
+                        <a:rPr lang="en-GB" sz="1400" b="1" kern="1200" dirty="0">
+                          <a:solidFill>
+                            <a:schemeClr val="lt1"/>
+                          </a:solidFill>
                           <a:effectLst/>
+                          <a:latin typeface="+mn-lt"/>
+                          <a:ea typeface="+mn-ea"/>
+                          <a:cs typeface="+mn-cs"/>
                         </a:rPr>
-                        <a:t>Shaheer Imran</a:t>
+                        <a:t>BORNAC, Valter </a:t>
                       </a:r>
-                      <a:endParaRPr lang="en-001" sz="1900" kern="100">
+                      <a:endParaRPr lang="en-001" sz="1600" kern="100" dirty="0">
                         <a:effectLst/>
                         <a:latin typeface="Calibri" panose="020F0502020204030204" pitchFamily="34" charset="0"/>
                         <a:ea typeface="Calibri" panose="020F0502020204030204" pitchFamily="34" charset="0"/>
@@ -3964,12 +4009,12 @@
                         </a:spcAft>
                       </a:pPr>
                       <a:r>
-                        <a:rPr lang="en-GB" sz="1900" kern="0">
+                        <a:rPr lang="en-GB" sz="1600" kern="0" dirty="0">
                           <a:effectLst/>
                         </a:rPr>
-                        <a:t>William Phillips</a:t>
+                        <a:t>KHAN, Kashaan</a:t>
                       </a:r>
-                      <a:endParaRPr lang="en-001" sz="1900" kern="100">
+                      <a:endParaRPr lang="en-001" sz="1600" kern="100" dirty="0">
                         <a:effectLst/>
                         <a:latin typeface="Calibri" panose="020F0502020204030204" pitchFamily="34" charset="0"/>
                         <a:ea typeface="Calibri" panose="020F0502020204030204" pitchFamily="34" charset="0"/>
@@ -3993,12 +4038,12 @@
                         </a:spcAft>
                       </a:pPr>
                       <a:r>
-                        <a:rPr lang="en-GB" sz="1900" kern="0">
+                        <a:rPr lang="en-GB" sz="1600" kern="0" dirty="0">
                           <a:effectLst/>
                         </a:rPr>
-                        <a:t>Ben Brown</a:t>
+                        <a:t>MARTIN, Francesca</a:t>
                       </a:r>
-                      <a:endParaRPr lang="en-001" sz="1900" kern="100">
+                      <a:endParaRPr lang="en-001" sz="1600" kern="100" dirty="0">
                         <a:effectLst/>
                         <a:latin typeface="Calibri" panose="020F0502020204030204" pitchFamily="34" charset="0"/>
                         <a:ea typeface="Calibri" panose="020F0502020204030204" pitchFamily="34" charset="0"/>
@@ -4022,12 +4067,44 @@
                         </a:spcAft>
                       </a:pPr>
                       <a:r>
-                        <a:rPr lang="en-GB" sz="1900" kern="0" dirty="0">
+                        <a:rPr lang="en-GB" sz="1600" kern="0" dirty="0">
                           <a:effectLst/>
                         </a:rPr>
-                        <a:t>Alan Peter</a:t>
+                        <a:t>NUTT, Christopher</a:t>
                       </a:r>
-                      <a:endParaRPr lang="en-001" sz="1900" kern="100" dirty="0">
+                      <a:endParaRPr lang="en-001" sz="1600" kern="100" dirty="0">
+                        <a:effectLst/>
+                        <a:latin typeface="Calibri" panose="020F0502020204030204" pitchFamily="34" charset="0"/>
+                        <a:ea typeface="Calibri" panose="020F0502020204030204" pitchFamily="34" charset="0"/>
+                        <a:cs typeface="Times New Roman" panose="02020603050405020304" pitchFamily="18" charset="0"/>
+                      </a:endParaRPr>
+                    </a:p>
+                  </a:txBody>
+                  <a:tcPr marL="120408" marR="120408" marT="0" marB="0"/>
+                </a:tc>
+                <a:tc>
+                  <a:txBody>
+                    <a:bodyPr/>
+                    <a:lstStyle/>
+                    <a:p>
+                      <a:pPr algn="ctr">
+                        <a:lnSpc>
+                          <a:spcPct val="107000"/>
+                        </a:lnSpc>
+                        <a:spcAft>
+                          <a:spcPts val="800"/>
+                        </a:spcAft>
+                      </a:pPr>
+                      <a:r>
+                        <a:rPr lang="en-US" sz="1600" kern="100" dirty="0">
+                          <a:effectLst/>
+                          <a:latin typeface="Calibri" panose="020F0502020204030204" pitchFamily="34" charset="0"/>
+                          <a:ea typeface="Calibri" panose="020F0502020204030204" pitchFamily="34" charset="0"/>
+                          <a:cs typeface="Times New Roman" panose="02020603050405020304" pitchFamily="18" charset="0"/>
+                        </a:rPr>
+                        <a:t>PELLING, Alfie </a:t>
+                      </a:r>
+                      <a:endParaRPr lang="en-001" sz="1600" kern="100" dirty="0">
                         <a:effectLst/>
                         <a:latin typeface="Calibri" panose="020F0502020204030204" pitchFamily="34" charset="0"/>
                         <a:ea typeface="Calibri" panose="020F0502020204030204" pitchFamily="34" charset="0"/>
@@ -4062,14 +4139,14 @@
           <p:nvPr>
             <p:extLst>
               <p:ext uri="{D42A27DB-BD31-4B8C-83A1-F6EECF244321}">
-                <p14:modId xmlns:p14="http://schemas.microsoft.com/office/powerpoint/2010/main" val="391091628"/>
+                <p14:modId xmlns:p14="http://schemas.microsoft.com/office/powerpoint/2010/main" val="1756934701"/>
               </p:ext>
             </p:extLst>
           </p:nvPr>
         </p:nvGraphicFramePr>
         <p:xfrm>
-          <a:off x="1206182" y="5561047"/>
-          <a:ext cx="10485075" cy="605981"/>
+          <a:off x="1206179" y="5869075"/>
+          <a:ext cx="10485078" cy="915734"/>
         </p:xfrm>
         <a:graphic>
           <a:graphicData uri="http://schemas.openxmlformats.org/drawingml/2006/table">
@@ -4078,43 +4155,50 @@
                 <a:tableStyleId>{5C22544A-7EE6-4342-B048-85BDC9FD1C3A}</a:tableStyleId>
               </a:tblPr>
               <a:tblGrid>
-                <a:gridCol w="2097015">
+                <a:gridCol w="1747513">
                   <a:extLst>
                     <a:ext uri="{9D8B030D-6E8A-4147-A177-3AD203B41FA5}">
                       <a16:colId xmlns:a16="http://schemas.microsoft.com/office/drawing/2014/main" val="2137449616"/>
                     </a:ext>
                   </a:extLst>
                 </a:gridCol>
-                <a:gridCol w="2097015">
+                <a:gridCol w="1747513">
                   <a:extLst>
                     <a:ext uri="{9D8B030D-6E8A-4147-A177-3AD203B41FA5}">
                       <a16:colId xmlns:a16="http://schemas.microsoft.com/office/drawing/2014/main" val="2474992758"/>
                     </a:ext>
                   </a:extLst>
                 </a:gridCol>
-                <a:gridCol w="2097015">
+                <a:gridCol w="1747513">
                   <a:extLst>
                     <a:ext uri="{9D8B030D-6E8A-4147-A177-3AD203B41FA5}">
                       <a16:colId xmlns:a16="http://schemas.microsoft.com/office/drawing/2014/main" val="3641014891"/>
                     </a:ext>
                   </a:extLst>
                 </a:gridCol>
-                <a:gridCol w="2097015">
+                <a:gridCol w="1747513">
                   <a:extLst>
                     <a:ext uri="{9D8B030D-6E8A-4147-A177-3AD203B41FA5}">
                       <a16:colId xmlns:a16="http://schemas.microsoft.com/office/drawing/2014/main" val="3567540856"/>
                     </a:ext>
                   </a:extLst>
                 </a:gridCol>
-                <a:gridCol w="2097015">
+                <a:gridCol w="1747513">
                   <a:extLst>
                     <a:ext uri="{9D8B030D-6E8A-4147-A177-3AD203B41FA5}">
                       <a16:colId xmlns:a16="http://schemas.microsoft.com/office/drawing/2014/main" val="3253147443"/>
                     </a:ext>
                   </a:extLst>
                 </a:gridCol>
+                <a:gridCol w="1747513">
+                  <a:extLst>
+                    <a:ext uri="{9D8B030D-6E8A-4147-A177-3AD203B41FA5}">
+                      <a16:colId xmlns:a16="http://schemas.microsoft.com/office/drawing/2014/main" val="2925418861"/>
+                    </a:ext>
+                  </a:extLst>
+                </a:gridCol>
               </a:tblGrid>
-              <a:tr h="334468">
+              <a:tr h="456195">
                 <a:tc>
                   <a:txBody>
                     <a:bodyPr/>
@@ -4129,18 +4213,6 @@
                         </a:spcAft>
                       </a:pPr>
                       <a:r>
-                        <a:rPr lang="en-GB" sz="1900" b="1" kern="0" dirty="0" err="1">
-                          <a:solidFill>
-                            <a:schemeClr val="lt1"/>
-                          </a:solidFill>
-                          <a:effectLst/>
-                          <a:latin typeface="+mn-lt"/>
-                          <a:ea typeface="+mn-ea"/>
-                          <a:cs typeface="+mn-cs"/>
-                        </a:rPr>
-                        <a:t>Febin</a:t>
-                      </a:r>
-                      <a:r>
                         <a:rPr lang="en-GB" sz="1900" b="1" kern="0" dirty="0">
                           <a:solidFill>
                             <a:schemeClr val="lt1"/>
@@ -4150,19 +4222,7 @@
                           <a:ea typeface="+mn-ea"/>
                           <a:cs typeface="+mn-cs"/>
                         </a:rPr>
-                        <a:t> </a:t>
-                      </a:r>
-                      <a:r>
-                        <a:rPr lang="en-GB" sz="1900" b="1" kern="0" dirty="0" err="1">
-                          <a:solidFill>
-                            <a:schemeClr val="lt1"/>
-                          </a:solidFill>
-                          <a:effectLst/>
-                          <a:latin typeface="+mn-lt"/>
-                          <a:ea typeface="+mn-ea"/>
-                          <a:cs typeface="+mn-cs"/>
-                        </a:rPr>
-                        <a:t>D’Silva</a:t>
+                        <a:t>ANSAH OKANTAH, Abigail</a:t>
                       </a:r>
                       <a:endParaRPr lang="en-001" sz="1900" b="1" kern="0" dirty="0">
                         <a:solidFill>
@@ -4191,7 +4251,7 @@
                         </a:spcAft>
                       </a:pPr>
                       <a:r>
-                        <a:rPr lang="en-GB" sz="1900" b="1" kern="0" dirty="0" err="1">
+                        <a:rPr lang="en-GB" sz="1800" b="1" kern="1200" dirty="0">
                           <a:solidFill>
                             <a:schemeClr val="lt1"/>
                           </a:solidFill>
@@ -4200,19 +4260,13 @@
                           <a:ea typeface="+mn-ea"/>
                           <a:cs typeface="+mn-cs"/>
                         </a:rPr>
-                        <a:t>Kinsha</a:t>
+                        <a:t>FENDER-MITCHELL, Quinn Alexander</a:t>
                       </a:r>
                       <a:r>
-                        <a:rPr lang="en-GB" sz="1900" b="1" kern="0" dirty="0">
-                          <a:solidFill>
-                            <a:schemeClr val="lt1"/>
-                          </a:solidFill>
+                        <a:rPr lang="en-001" sz="2000" dirty="0">
                           <a:effectLst/>
-                          <a:latin typeface="+mn-lt"/>
-                          <a:ea typeface="+mn-ea"/>
-                          <a:cs typeface="+mn-cs"/>
                         </a:rPr>
-                        <a:t> Dave</a:t>
+                        <a:t> </a:t>
                       </a:r>
                       <a:endParaRPr lang="en-001" sz="1900" b="1" kern="0" dirty="0">
                         <a:solidFill>
@@ -4250,105 +4304,7 @@
                           <a:ea typeface="+mn-ea"/>
                           <a:cs typeface="+mn-cs"/>
                         </a:rPr>
-                        <a:t>Aaron </a:t>
-                      </a:r>
-                      <a:r>
-                        <a:rPr lang="en-GB" sz="1900" b="1" kern="0" dirty="0" err="1">
-                          <a:solidFill>
-                            <a:schemeClr val="lt1"/>
-                          </a:solidFill>
-                          <a:effectLst/>
-                          <a:latin typeface="+mn-lt"/>
-                          <a:ea typeface="+mn-ea"/>
-                          <a:cs typeface="+mn-cs"/>
-                        </a:rPr>
-                        <a:t>Neaves</a:t>
-                      </a:r>
-                      <a:endParaRPr lang="en-001" sz="1900" b="1" kern="0" dirty="0">
-                        <a:solidFill>
-                          <a:schemeClr val="lt1"/>
-                        </a:solidFill>
-                        <a:effectLst/>
-                        <a:latin typeface="+mn-lt"/>
-                        <a:ea typeface="+mn-ea"/>
-                        <a:cs typeface="+mn-cs"/>
-                      </a:endParaRPr>
-                    </a:p>
-                  </a:txBody>
-                  <a:tcPr marL="68580" marR="68580" marT="0" marB="0"/>
-                </a:tc>
-                <a:tc>
-                  <a:txBody>
-                    <a:bodyPr/>
-                    <a:lstStyle/>
-                    <a:p>
-                      <a:pPr algn="ctr">
-                        <a:lnSpc>
-                          <a:spcPct val="107000"/>
-                        </a:lnSpc>
-                        <a:spcAft>
-                          <a:spcPts val="800"/>
-                        </a:spcAft>
-                      </a:pPr>
-                      <a:r>
-                        <a:rPr lang="en-GB" sz="1900" b="1" kern="0" dirty="0" err="1">
-                          <a:solidFill>
-                            <a:schemeClr val="lt1"/>
-                          </a:solidFill>
-                          <a:effectLst/>
-                          <a:latin typeface="+mn-lt"/>
-                          <a:ea typeface="+mn-ea"/>
-                          <a:cs typeface="+mn-cs"/>
-                        </a:rPr>
-                        <a:t>Kumal</a:t>
-                      </a:r>
-                      <a:r>
-                        <a:rPr lang="en-GB" sz="1900" b="1" kern="0" dirty="0">
-                          <a:solidFill>
-                            <a:schemeClr val="lt1"/>
-                          </a:solidFill>
-                          <a:effectLst/>
-                          <a:latin typeface="+mn-lt"/>
-                          <a:ea typeface="+mn-ea"/>
-                          <a:cs typeface="+mn-cs"/>
-                        </a:rPr>
-                        <a:t> </a:t>
-                      </a:r>
-                      <a:r>
-                        <a:rPr lang="en-GB" sz="1900" b="1" kern="0" dirty="0" err="1">
-                          <a:solidFill>
-                            <a:schemeClr val="lt1"/>
-                          </a:solidFill>
-                          <a:effectLst/>
-                          <a:latin typeface="+mn-lt"/>
-                          <a:ea typeface="+mn-ea"/>
-                          <a:cs typeface="+mn-cs"/>
-                        </a:rPr>
-                        <a:t>Mapa</a:t>
-                      </a:r>
-                      <a:r>
-                        <a:rPr lang="en-GB" sz="1900" b="1" kern="0" dirty="0">
-                          <a:solidFill>
-                            <a:schemeClr val="lt1"/>
-                          </a:solidFill>
-                          <a:effectLst/>
-                          <a:latin typeface="+mn-lt"/>
-                          <a:ea typeface="+mn-ea"/>
-                          <a:cs typeface="+mn-cs"/>
-                        </a:rPr>
-                        <a:t> </a:t>
-                      </a:r>
-                      <a:r>
-                        <a:rPr lang="en-GB" sz="1900" b="1" kern="0" dirty="0" err="1">
-                          <a:solidFill>
-                            <a:schemeClr val="lt1"/>
-                          </a:solidFill>
-                          <a:effectLst/>
-                          <a:latin typeface="+mn-lt"/>
-                          <a:ea typeface="+mn-ea"/>
-                          <a:cs typeface="+mn-cs"/>
-                        </a:rPr>
-                        <a:t>Mudiyanselage</a:t>
+                        <a:t>KIRUBAKARAN, Shanjay</a:t>
                       </a:r>
                       <a:endParaRPr lang="en-001" sz="1900" b="1" kern="0" dirty="0">
                         <a:solidFill>
@@ -4386,7 +4342,83 @@
                           <a:ea typeface="+mn-ea"/>
                           <a:cs typeface="+mn-cs"/>
                         </a:rPr>
-                        <a:t>Saad Bakr</a:t>
+                        <a:t>MEDDELTON, Harry </a:t>
+                      </a:r>
+                      <a:endParaRPr lang="en-001" sz="1900" b="1" kern="0" dirty="0">
+                        <a:solidFill>
+                          <a:schemeClr val="lt1"/>
+                        </a:solidFill>
+                        <a:effectLst/>
+                        <a:latin typeface="+mn-lt"/>
+                        <a:ea typeface="+mn-ea"/>
+                        <a:cs typeface="+mn-cs"/>
+                      </a:endParaRPr>
+                    </a:p>
+                  </a:txBody>
+                  <a:tcPr marL="68580" marR="68580" marT="0" marB="0"/>
+                </a:tc>
+                <a:tc>
+                  <a:txBody>
+                    <a:bodyPr/>
+                    <a:lstStyle/>
+                    <a:p>
+                      <a:pPr algn="ctr">
+                        <a:lnSpc>
+                          <a:spcPct val="107000"/>
+                        </a:lnSpc>
+                        <a:spcAft>
+                          <a:spcPts val="800"/>
+                        </a:spcAft>
+                      </a:pPr>
+                      <a:r>
+                        <a:rPr lang="en-GB" sz="1900" b="1" kern="0" dirty="0">
+                          <a:solidFill>
+                            <a:schemeClr val="lt1"/>
+                          </a:solidFill>
+                          <a:effectLst/>
+                          <a:latin typeface="+mn-lt"/>
+                          <a:ea typeface="+mn-ea"/>
+                          <a:cs typeface="+mn-cs"/>
+                        </a:rPr>
+                        <a:t>PEIRIS, Narada</a:t>
+                      </a:r>
+                      <a:endParaRPr lang="en-001" sz="1900" b="1" kern="0" dirty="0">
+                        <a:solidFill>
+                          <a:schemeClr val="lt1"/>
+                        </a:solidFill>
+                        <a:effectLst/>
+                        <a:latin typeface="+mn-lt"/>
+                        <a:ea typeface="+mn-ea"/>
+                        <a:cs typeface="+mn-cs"/>
+                      </a:endParaRPr>
+                    </a:p>
+                  </a:txBody>
+                  <a:tcPr marL="68580" marR="68580" marT="0" marB="0"/>
+                </a:tc>
+                <a:tc>
+                  <a:txBody>
+                    <a:bodyPr/>
+                    <a:lstStyle/>
+                    <a:p>
+                      <a:pPr algn="ctr">
+                        <a:lnSpc>
+                          <a:spcPct val="107000"/>
+                        </a:lnSpc>
+                        <a:spcAft>
+                          <a:spcPts val="800"/>
+                        </a:spcAft>
+                      </a:pPr>
+                      <a:r>
+                        <a:rPr lang="en-US" sz="1900" b="1" kern="0" dirty="0">
+                          <a:solidFill>
+                            <a:schemeClr val="lt1"/>
+                          </a:solidFill>
+                          <a:effectLst/>
+                          <a:latin typeface="+mn-lt"/>
+                          <a:ea typeface="+mn-ea"/>
+                          <a:cs typeface="+mn-cs"/>
+                        </a:rPr>
+                        <a:t>RASHID, Fehzan</a:t>
                       </a:r>
                       <a:endParaRPr lang="en-001" sz="1900" b="1" kern="0" dirty="0">
                         <a:solidFill>
@@ -4411,6 +4443,36 @@
           </a:graphicData>
         </a:graphic>
       </p:graphicFrame>
+      <p:pic>
+        <p:nvPicPr>
+          <p:cNvPr id="9" name="Picture 8">
+            <a:extLst>
+              <a:ext uri="{FF2B5EF4-FFF2-40B4-BE49-F238E27FC236}">
+                <a16:creationId xmlns:a16="http://schemas.microsoft.com/office/drawing/2014/main" id="{527D912F-8534-DE38-EE37-5A1DB8920F8E}"/>
+              </a:ext>
+            </a:extLst>
+          </p:cNvPr>
+          <p:cNvPicPr>
+            <a:picLocks noChangeAspect="1"/>
+          </p:cNvPicPr>
+          <p:nvPr/>
+        </p:nvPicPr>
+        <p:blipFill>
+          <a:blip r:embed="rId2"/>
+          <a:stretch>
+            <a:fillRect/>
+          </a:stretch>
+        </p:blipFill>
+        <p:spPr>
+          <a:xfrm>
+            <a:off x="8279884" y="2011136"/>
+            <a:ext cx="2044911" cy="756778"/>
+          </a:xfrm>
+          <a:prstGeom prst="rect">
+            <a:avLst/>
+          </a:prstGeom>
+        </p:spPr>
+      </p:pic>
     </p:spTree>
     <p:extLst>
       <p:ext uri="{BB962C8B-B14F-4D97-AF65-F5344CB8AC3E}">
@@ -4689,10 +4751,98 @@
       </p:grpSpPr>
       <p:sp>
         <p:nvSpPr>
-          <p:cNvPr id="2" name="Title 1">
+          <p:cNvPr id="2" name="TextBox 1">
             <a:extLst>
               <a:ext uri="{FF2B5EF4-FFF2-40B4-BE49-F238E27FC236}">
-                <a16:creationId xmlns:a16="http://schemas.microsoft.com/office/drawing/2014/main" id="{C2D190BA-2817-C954-A991-279953E4EC76}"/>
+                <a16:creationId xmlns:a16="http://schemas.microsoft.com/office/drawing/2014/main" id="{2A22BF01-30E5-AC5B-3C6D-2D8DBB8DE99F}"/>
+              </a:ext>
+            </a:extLst>
+          </p:cNvPr>
+          <p:cNvSpPr txBox="1"/>
+          <p:nvPr/>
+        </p:nvSpPr>
+        <p:spPr>
+          <a:xfrm>
+            <a:off x="64484" y="4282828"/>
+            <a:ext cx="11981357" cy="646331"/>
+          </a:xfrm>
+          <a:prstGeom prst="rect">
+            <a:avLst/>
+          </a:prstGeom>
+          <a:noFill/>
+        </p:spPr>
+        <p:txBody>
+          <a:bodyPr wrap="none" rtlCol="0">
+            <a:spAutoFit/>
+          </a:bodyPr>
+          <a:lstStyle/>
+          <a:p>
+            <a:r>
+              <a:rPr lang="en-001" dirty="0"/>
+              <a:t>4. Assesment suggestions: - Examine the effect of different basal TME activities in virtual RIVA cells, </a:t>
+            </a:r>
+          </a:p>
+          <a:p>
+            <a:r>
+              <a:rPr lang="en-001" dirty="0"/>
+              <a:t>                                               - Model drugs that target NF</a:t>
+            </a:r>
+            <a:r>
+              <a:rPr lang="el-GR" dirty="0"/>
+              <a:t>-κΒ </a:t>
+            </a:r>
+            <a:r>
+              <a:rPr lang="en-US" dirty="0"/>
+              <a:t>and reduce BCL2-family expression in the presence of TME signals</a:t>
+            </a:r>
+            <a:r>
+              <a:rPr lang="en-001" dirty="0"/>
+              <a:t> </a:t>
+            </a:r>
+          </a:p>
+        </p:txBody>
+      </p:sp>
+      <p:sp>
+        <p:nvSpPr>
+          <p:cNvPr id="6" name="TextBox 5">
+            <a:extLst>
+              <a:ext uri="{FF2B5EF4-FFF2-40B4-BE49-F238E27FC236}">
+                <a16:creationId xmlns:a16="http://schemas.microsoft.com/office/drawing/2014/main" id="{9263B0FD-714C-0D31-AA6D-477B8E603917}"/>
+              </a:ext>
+            </a:extLst>
+          </p:cNvPr>
+          <p:cNvSpPr txBox="1"/>
+          <p:nvPr/>
+        </p:nvSpPr>
+        <p:spPr>
+          <a:xfrm>
+            <a:off x="4359349" y="6427708"/>
+            <a:ext cx="3637599" cy="369332"/>
+          </a:xfrm>
+          <a:prstGeom prst="rect">
+            <a:avLst/>
+          </a:prstGeom>
+          <a:noFill/>
+        </p:spPr>
+        <p:txBody>
+          <a:bodyPr wrap="none" rtlCol="0">
+            <a:spAutoFit/>
+          </a:bodyPr>
+          <a:lstStyle/>
+          <a:p>
+            <a:r>
+              <a:rPr lang="en-001" dirty="0"/>
+              <a:t>Contact details: A.Vareli@bsms.ac.uk</a:t>
+            </a:r>
+          </a:p>
+        </p:txBody>
+      </p:sp>
+      <p:sp>
+        <p:nvSpPr>
+          <p:cNvPr id="7" name="Title 1">
+            <a:extLst>
+              <a:ext uri="{FF2B5EF4-FFF2-40B4-BE49-F238E27FC236}">
+                <a16:creationId xmlns:a16="http://schemas.microsoft.com/office/drawing/2014/main" id="{13EE22AA-21B4-D335-30E1-0540F2CE3AF4}"/>
               </a:ext>
             </a:extLst>
           </p:cNvPr>
@@ -4703,247 +4853,32 @@
             <p:ph type="title"/>
           </p:nvPr>
         </p:nvSpPr>
-        <p:spPr/>
+        <p:spPr>
+          <a:xfrm>
+            <a:off x="365760" y="320675"/>
+            <a:ext cx="11430000" cy="796925"/>
+          </a:xfrm>
+        </p:spPr>
         <p:txBody>
           <a:bodyPr/>
           <a:lstStyle/>
           <a:p>
             <a:r>
               <a:rPr lang="en-GB" dirty="0"/>
-              <a:t>Example assessment task 2 – Cancer modelling</a:t>
-            </a:r>
+              <a:t>Example assessment task 2 – Signalling </a:t>
+            </a:r>
+            <a:r>
+              <a:rPr lang="en-GB" dirty="0" err="1"/>
+              <a:t>sca;e</a:t>
+            </a:r>
+            <a:endParaRPr lang="en-GB" dirty="0"/>
           </a:p>
         </p:txBody>
       </p:sp>
-      <p:sp>
-        <p:nvSpPr>
-          <p:cNvPr id="3" name="Content Placeholder 2">
-            <a:extLst>
-              <a:ext uri="{FF2B5EF4-FFF2-40B4-BE49-F238E27FC236}">
-                <a16:creationId xmlns:a16="http://schemas.microsoft.com/office/drawing/2014/main" id="{FC94DA42-1742-34B1-EC50-909CEAC48CBB}"/>
-              </a:ext>
-            </a:extLst>
-          </p:cNvPr>
-          <p:cNvSpPr>
-            <a:spLocks noGrp="1"/>
-          </p:cNvSpPr>
-          <p:nvPr>
-            <p:ph idx="1"/>
-          </p:nvPr>
-        </p:nvSpPr>
-        <p:spPr/>
-        <p:txBody>
-          <a:bodyPr>
-            <a:normAutofit fontScale="92500" lnSpcReduction="10000"/>
-          </a:bodyPr>
-          <a:lstStyle/>
-          <a:p>
-            <a:pPr marL="342900" indent="-342900">
-              <a:buFont typeface="Arial" panose="020B0604020202020204" pitchFamily="34" charset="0"/>
-              <a:buChar char="•"/>
-            </a:pPr>
-            <a:r>
-              <a:rPr lang="en-GB" dirty="0"/>
-              <a:t>Run the Cell Cycle Model</a:t>
-            </a:r>
-          </a:p>
-          <a:p>
-            <a:pPr marL="800100" lvl="1" indent="-342900">
-              <a:buFont typeface="Arial" panose="020B0604020202020204" pitchFamily="34" charset="0"/>
-              <a:buChar char="•"/>
-            </a:pPr>
-            <a:r>
-              <a:rPr lang="en-GB" dirty="0">
-                <a:hlinkClick r:id="rId2"/>
-              </a:rPr>
-              <a:t>http://139.184.170.218:9001</a:t>
-            </a:r>
-            <a:r>
-              <a:rPr lang="en-GB" dirty="0"/>
-              <a:t> </a:t>
-            </a:r>
-          </a:p>
-          <a:p>
-            <a:pPr marL="342900" indent="-342900">
-              <a:buFont typeface="Arial" panose="020B0604020202020204" pitchFamily="34" charset="0"/>
-              <a:buChar char="•"/>
-            </a:pPr>
-            <a:endParaRPr lang="en-GB" dirty="0"/>
-          </a:p>
-          <a:p>
-            <a:pPr marL="342900" indent="-342900">
-              <a:buFont typeface="Arial" panose="020B0604020202020204" pitchFamily="34" charset="0"/>
-              <a:buChar char="•"/>
-            </a:pPr>
-            <a:endParaRPr lang="en-GB" dirty="0"/>
-          </a:p>
-          <a:p>
-            <a:pPr marL="342900" indent="-342900">
-              <a:buFont typeface="Arial" panose="020B0604020202020204" pitchFamily="34" charset="0"/>
-              <a:buChar char="•"/>
-            </a:pPr>
-            <a:r>
-              <a:rPr lang="en-GB" dirty="0"/>
-              <a:t>Create a graph with the default parameters (shift enter through entire sheet).</a:t>
-            </a:r>
-          </a:p>
-          <a:p>
-            <a:pPr marL="342900" indent="-342900">
-              <a:buFont typeface="Arial" panose="020B0604020202020204" pitchFamily="34" charset="0"/>
-              <a:buChar char="•"/>
-            </a:pPr>
-            <a:r>
-              <a:rPr lang="en-GB" dirty="0"/>
-              <a:t>Alter a parameter to </a:t>
-            </a:r>
-            <a:br>
-              <a:rPr lang="en-GB" dirty="0"/>
-            </a:br>
-            <a:r>
-              <a:rPr lang="en-GB" dirty="0"/>
-              <a:t>simulate a mutation. </a:t>
-            </a:r>
-          </a:p>
-          <a:p>
-            <a:pPr marL="342900" indent="-342900">
-              <a:buFont typeface="Arial" panose="020B0604020202020204" pitchFamily="34" charset="0"/>
-              <a:buChar char="•"/>
-            </a:pPr>
-            <a:endParaRPr lang="en-GB" dirty="0"/>
-          </a:p>
-          <a:p>
-            <a:endParaRPr lang="en-GB" dirty="0"/>
-          </a:p>
-          <a:p>
-            <a:pPr marL="342900" indent="-342900">
-              <a:buFont typeface="Arial" panose="020B0604020202020204" pitchFamily="34" charset="0"/>
-              <a:buChar char="•"/>
-            </a:pPr>
-            <a:endParaRPr lang="en-GB" dirty="0"/>
-          </a:p>
-          <a:p>
-            <a:pPr marL="342900" indent="-342900">
-              <a:buFont typeface="Arial" panose="020B0604020202020204" pitchFamily="34" charset="0"/>
-              <a:buChar char="•"/>
-            </a:pPr>
-            <a:r>
-              <a:rPr lang="en-GB" dirty="0"/>
-              <a:t>Create a new graph with the new parameters, and describe the difference.</a:t>
-            </a:r>
-          </a:p>
-          <a:p>
-            <a:pPr marL="342900" indent="-342900">
-              <a:buFont typeface="Arial" panose="020B0604020202020204" pitchFamily="34" charset="0"/>
-              <a:buChar char="•"/>
-            </a:pPr>
-            <a:r>
-              <a:rPr lang="en-GB" dirty="0"/>
-              <a:t>Relate the parameter change to mutations and what the change in cell cycle might mean for cancer.</a:t>
-            </a:r>
-          </a:p>
-          <a:p>
-            <a:pPr marL="342900" indent="-342900">
-              <a:buFont typeface="Arial" panose="020B0604020202020204" pitchFamily="34" charset="0"/>
-              <a:buChar char="•"/>
-            </a:pPr>
-            <a:endParaRPr lang="en-GB" dirty="0"/>
-          </a:p>
-        </p:txBody>
-      </p:sp>
-      <p:pic>
-        <p:nvPicPr>
-          <p:cNvPr id="6" name="Picture 5">
-            <a:extLst>
-              <a:ext uri="{FF2B5EF4-FFF2-40B4-BE49-F238E27FC236}">
-                <a16:creationId xmlns:a16="http://schemas.microsoft.com/office/drawing/2014/main" id="{4E7E42D8-B188-B41C-E3B0-5A031880905E}"/>
-              </a:ext>
-            </a:extLst>
-          </p:cNvPr>
-          <p:cNvPicPr>
-            <a:picLocks noChangeAspect="1"/>
-          </p:cNvPicPr>
-          <p:nvPr/>
-        </p:nvPicPr>
-        <p:blipFill>
-          <a:blip r:embed="rId3"/>
-          <a:stretch>
-            <a:fillRect/>
-          </a:stretch>
-        </p:blipFill>
-        <p:spPr>
-          <a:xfrm>
-            <a:off x="4500617" y="1219200"/>
-            <a:ext cx="5461000" cy="1346200"/>
-          </a:xfrm>
-          <a:prstGeom prst="rect">
-            <a:avLst/>
-          </a:prstGeom>
-        </p:spPr>
-      </p:pic>
-      <p:pic>
-        <p:nvPicPr>
-          <p:cNvPr id="7" name="Picture 6">
-            <a:extLst>
-              <a:ext uri="{FF2B5EF4-FFF2-40B4-BE49-F238E27FC236}">
-                <a16:creationId xmlns:a16="http://schemas.microsoft.com/office/drawing/2014/main" id="{12357ED2-9145-EABA-74F7-BC9AA79C0A1A}"/>
-              </a:ext>
-            </a:extLst>
-          </p:cNvPr>
-          <p:cNvPicPr>
-            <a:picLocks noChangeAspect="1"/>
-          </p:cNvPicPr>
-          <p:nvPr/>
-        </p:nvPicPr>
-        <p:blipFill>
-          <a:blip r:embed="rId4"/>
-          <a:stretch>
-            <a:fillRect/>
-          </a:stretch>
-        </p:blipFill>
-        <p:spPr>
-          <a:xfrm>
-            <a:off x="5124319" y="3204108"/>
-            <a:ext cx="4013200" cy="1587500"/>
-          </a:xfrm>
-          <a:prstGeom prst="rect">
-            <a:avLst/>
-          </a:prstGeom>
-        </p:spPr>
-      </p:pic>
-      <p:pic>
-        <p:nvPicPr>
-          <p:cNvPr id="8" name="Picture 7">
-            <a:extLst>
-              <a:ext uri="{FF2B5EF4-FFF2-40B4-BE49-F238E27FC236}">
-                <a16:creationId xmlns:a16="http://schemas.microsoft.com/office/drawing/2014/main" id="{5B436013-B5A7-7778-C0B5-9A6419B9AF17}"/>
-              </a:ext>
-            </a:extLst>
-          </p:cNvPr>
-          <p:cNvPicPr>
-            <a:picLocks noChangeAspect="1"/>
-          </p:cNvPicPr>
-          <p:nvPr/>
-        </p:nvPicPr>
-        <p:blipFill>
-          <a:blip r:embed="rId5"/>
-          <a:stretch>
-            <a:fillRect/>
-          </a:stretch>
-        </p:blipFill>
-        <p:spPr>
-          <a:xfrm>
-            <a:off x="9137519" y="3204108"/>
-            <a:ext cx="2842730" cy="1616869"/>
-          </a:xfrm>
-          <a:prstGeom prst="rect">
-            <a:avLst/>
-          </a:prstGeom>
-        </p:spPr>
-      </p:pic>
     </p:spTree>
     <p:extLst>
       <p:ext uri="{BB962C8B-B14F-4D97-AF65-F5344CB8AC3E}">
-        <p14:creationId xmlns:p14="http://schemas.microsoft.com/office/powerpoint/2010/main" val="1459608340"/>
+        <p14:creationId xmlns:p14="http://schemas.microsoft.com/office/powerpoint/2010/main" val="1447855025"/>
       </p:ext>
     </p:extLst>
   </p:cSld>
@@ -5701,15 +5636,6 @@
 </file>
 
 <file path=customXml/item1.xml><?xml version="1.0" encoding="utf-8"?>
-<?mso-contentType ?>
-<FormTemplates xmlns="http://schemas.microsoft.com/sharepoint/v3/contenttype/forms">
-  <Display>DocumentLibraryForm</Display>
-  <Edit>DocumentLibraryForm</Edit>
-  <New>DocumentLibraryForm</New>
-</FormTemplates>
-</file>
-
-<file path=customXml/item2.xml><?xml version="1.0" encoding="utf-8"?>
 <ct:contentTypeSchema xmlns:ct="http://schemas.microsoft.com/office/2006/metadata/contentType" xmlns:ma="http://schemas.microsoft.com/office/2006/metadata/properties/metaAttributes" ct:_="" ma:_="" ma:contentTypeName="Document" ma:contentTypeID="0x010100796314CD6BFA1D418807532729E508A7" ma:contentTypeVersion="11" ma:contentTypeDescription="Create a new document." ma:contentTypeScope="" ma:versionID="aecafcc52205bf896519f571f793a2b9">
   <xsd:schema xmlns:xsd="http://www.w3.org/2001/XMLSchema" xmlns:xs="http://www.w3.org/2001/XMLSchema" xmlns:p="http://schemas.microsoft.com/office/2006/metadata/properties" xmlns:ns2="d0cf7155-5292-499e-94b8-ceb291bf61f2" xmlns:ns3="4b675c51-347a-4eaa-9a55-7e0aca984822" targetNamespace="http://schemas.microsoft.com/office/2006/metadata/properties" ma:root="true" ma:fieldsID="45a7e907e539d530dce02ffe772ad185" ns2:_="" ns3:_="">
     <xsd:import namespace="d0cf7155-5292-499e-94b8-ceb291bf61f2"/>
@@ -5920,6 +5846,15 @@
 </ct:contentTypeSchema>
 </file>
 
+<file path=customXml/item2.xml><?xml version="1.0" encoding="utf-8"?>
+<?mso-contentType ?>
+<FormTemplates xmlns="http://schemas.microsoft.com/sharepoint/v3/contenttype/forms">
+  <Display>DocumentLibraryForm</Display>
+  <Edit>DocumentLibraryForm</Edit>
+  <New>DocumentLibraryForm</New>
+</FormTemplates>
+</file>
+
 <file path=customXml/item3.xml><?xml version="1.0" encoding="utf-8"?>
 <p:properties xmlns:p="http://schemas.microsoft.com/office/2006/metadata/properties" xmlns:xsi="http://www.w3.org/2001/XMLSchema-instance" xmlns:pc="http://schemas.microsoft.com/office/infopath/2007/PartnerControls">
   <documentManagement/>
@@ -5927,14 +5862,6 @@
 </file>
 
 <file path=customXml/itemProps1.xml><?xml version="1.0" encoding="utf-8"?>
-<ds:datastoreItem xmlns:ds="http://schemas.openxmlformats.org/officeDocument/2006/customXml" ds:itemID="{4591DFF0-32FE-4E37-A04B-CD659AF4E52B}">
-  <ds:schemaRefs>
-    <ds:schemaRef ds:uri="http://schemas.microsoft.com/sharepoint/v3/contenttype/forms"/>
-  </ds:schemaRefs>
-</ds:datastoreItem>
-</file>
-
-<file path=customXml/itemProps2.xml><?xml version="1.0" encoding="utf-8"?>
 <ds:datastoreItem xmlns:ds="http://schemas.openxmlformats.org/officeDocument/2006/customXml" ds:itemID="{5EE27B24-E034-496A-A32B-E68EFC3B6BE5}">
   <ds:schemaRefs>
     <ds:schemaRef ds:uri="4b675c51-347a-4eaa-9a55-7e0aca984822"/>
@@ -5953,19 +5880,27 @@
 </ds:datastoreItem>
 </file>
 
+<file path=customXml/itemProps2.xml><?xml version="1.0" encoding="utf-8"?>
+<ds:datastoreItem xmlns:ds="http://schemas.openxmlformats.org/officeDocument/2006/customXml" ds:itemID="{4591DFF0-32FE-4E37-A04B-CD659AF4E52B}">
+  <ds:schemaRefs>
+    <ds:schemaRef ds:uri="http://schemas.microsoft.com/sharepoint/v3/contenttype/forms"/>
+  </ds:schemaRefs>
+</ds:datastoreItem>
+</file>
+
 <file path=customXml/itemProps3.xml><?xml version="1.0" encoding="utf-8"?>
 <ds:datastoreItem xmlns:ds="http://schemas.openxmlformats.org/officeDocument/2006/customXml" ds:itemID="{0D2FD8D5-C065-4D8A-ABEF-3FF392831CC5}">
   <ds:schemaRefs>
-    <ds:schemaRef ds:uri="d0cf7155-5292-499e-94b8-ceb291bf61f2"/>
+    <ds:schemaRef ds:uri="http://schemas.microsoft.com/office/2006/documentManagement/types"/>
+    <ds:schemaRef ds:uri="http://schemas.microsoft.com/office/infopath/2007/PartnerControls"/>
+    <ds:schemaRef ds:uri="http://purl.org/dc/elements/1.1/"/>
+    <ds:schemaRef ds:uri="http://purl.org/dc/dcmitype/"/>
     <ds:schemaRef ds:uri="http://schemas.openxmlformats.org/package/2006/metadata/core-properties"/>
-    <ds:schemaRef ds:uri="http://schemas.microsoft.com/office/2006/documentManagement/types"/>
     <ds:schemaRef ds:uri="http://schemas.microsoft.com/office/2006/metadata/properties"/>
     <ds:schemaRef ds:uri="http://purl.org/dc/terms/"/>
     <ds:schemaRef ds:uri="4b675c51-347a-4eaa-9a55-7e0aca984822"/>
-    <ds:schemaRef ds:uri="http://purl.org/dc/dcmitype/"/>
-    <ds:schemaRef ds:uri="http://schemas.microsoft.com/office/infopath/2007/PartnerControls"/>
+    <ds:schemaRef ds:uri="d0cf7155-5292-499e-94b8-ceb291bf61f2"/>
     <ds:schemaRef ds:uri="http://www.w3.org/XML/1998/namespace"/>
-    <ds:schemaRef ds:uri="http://purl.org/dc/elements/1.1/"/>
   </ds:schemaRefs>
 </ds:datastoreItem>
 </file>